--- a/docs/TBDMud.pptx
+++ b/docs/TBDMud.pptx
@@ -107,6 +107,11 @@
       </a:defRPr>
     </a:lvl9pPr>
   </p:defaultTextStyle>
+  <p:extLst>
+    <p:ext uri="{EFAFB233-063F-42B5-8137-9DF3F51BA10A}">
+      <p15:sldGuideLst xmlns:p15="http://schemas.microsoft.com/office/powerpoint/2012/main"/>
+    </p:ext>
+  </p:extLst>
 </p:presentation>
 </file>
 
@@ -3340,7 +3345,12 @@
             <p:ph type="ctrTitle"/>
           </p:nvPr>
         </p:nvSpPr>
-        <p:spPr/>
+        <p:spPr>
+          <a:xfrm>
+            <a:off x="1524000" y="807396"/>
+            <a:ext cx="9144000" cy="2387600"/>
+          </a:xfrm>
+        </p:spPr>
         <p:txBody>
           <a:bodyPr/>
           <a:lstStyle/>
@@ -3374,13 +3384,13 @@
         </p:nvSpPr>
         <p:spPr>
           <a:xfrm>
-            <a:off x="1524000" y="3302540"/>
-            <a:ext cx="9144000" cy="2748064"/>
+            <a:off x="1396730" y="3035030"/>
+            <a:ext cx="9398540" cy="3015574"/>
           </a:xfrm>
         </p:spPr>
         <p:txBody>
           <a:bodyPr>
-            <a:normAutofit/>
+            <a:normAutofit lnSpcReduction="10000"/>
           </a:bodyPr>
           <a:lstStyle/>
           <a:p>
@@ -3397,7 +3407,7 @@
           </a:p>
           <a:p>
             <a:r>
-              <a:rPr lang="en-US" dirty="0"/>
+              <a:rPr lang="en-US" strike="sngStrike" dirty="0"/>
               <a:t>telnet tbdmud.zerosquared.io 15001</a:t>
             </a:r>
           </a:p>
@@ -3406,6 +3416,18 @@
               <a:rPr lang="en-US" dirty="0"/>
               <a:t>telnet 104.153.200.99 15001</a:t>
             </a:r>
+          </a:p>
+          <a:p>
+            <a:endParaRPr lang="en-US" dirty="0"/>
+          </a:p>
+          <a:p>
+            <a:r>
+              <a:rPr lang="en-US" dirty="0">
+                <a:hlinkClick r:id="rId2"/>
+              </a:rPr>
+              <a:t>https://github.com/charleslucas/tbdmud</a:t>
+            </a:r>
+            <a:endParaRPr lang="en-US" dirty="0"/>
           </a:p>
         </p:txBody>
       </p:sp>
@@ -3672,6 +3694,47 @@
           </a:p>
         </p:txBody>
       </p:sp>
+      <p:sp>
+        <p:nvSpPr>
+          <p:cNvPr id="5" name="Rectangle 4">
+            <a:extLst>
+              <a:ext uri="{FF2B5EF4-FFF2-40B4-BE49-F238E27FC236}">
+                <a16:creationId xmlns:a16="http://schemas.microsoft.com/office/drawing/2014/main" id="{2ADDF4D4-257A-45A6-A6A5-771C1E3C8F6E}"/>
+              </a:ext>
+            </a:extLst>
+          </p:cNvPr>
+          <p:cNvSpPr/>
+          <p:nvPr/>
+        </p:nvSpPr>
+        <p:spPr>
+          <a:xfrm>
+            <a:off x="9246506" y="6381504"/>
+            <a:ext cx="2891625" cy="369332"/>
+          </a:xfrm>
+          <a:prstGeom prst="rect">
+            <a:avLst/>
+          </a:prstGeom>
+        </p:spPr>
+        <p:txBody>
+          <a:bodyPr wrap="none">
+            <a:spAutoFit/>
+          </a:bodyPr>
+          <a:lstStyle/>
+          <a:p>
+            <a:r>
+              <a:rPr lang="en-US" dirty="0">
+                <a:solidFill>
+                  <a:schemeClr val="tx2">
+                    <a:lumMod val="60000"/>
+                    <a:lumOff val="40000"/>
+                  </a:schemeClr>
+                </a:solidFill>
+              </a:rPr>
+              <a:t>telnet 104.153.200.99 15001</a:t>
+            </a:r>
+          </a:p>
+        </p:txBody>
+      </p:sp>
     </p:spTree>
     <p:extLst>
       <p:ext uri="{BB962C8B-B14F-4D97-AF65-F5344CB8AC3E}">
@@ -3756,14 +3819,55 @@
         </p:blipFill>
         <p:spPr>
           <a:xfrm>
-            <a:off x="768028" y="2331446"/>
-            <a:ext cx="10141383" cy="3490558"/>
+            <a:off x="529385" y="2227634"/>
+            <a:ext cx="10584308" cy="3643008"/>
           </a:xfrm>
           <a:prstGeom prst="rect">
             <a:avLst/>
           </a:prstGeom>
         </p:spPr>
       </p:pic>
+      <p:sp>
+        <p:nvSpPr>
+          <p:cNvPr id="3" name="Rectangle 2">
+            <a:extLst>
+              <a:ext uri="{FF2B5EF4-FFF2-40B4-BE49-F238E27FC236}">
+                <a16:creationId xmlns:a16="http://schemas.microsoft.com/office/drawing/2014/main" id="{2FCE9C59-97CC-442A-BE5F-DEF065BE02BB}"/>
+              </a:ext>
+            </a:extLst>
+          </p:cNvPr>
+          <p:cNvSpPr/>
+          <p:nvPr/>
+        </p:nvSpPr>
+        <p:spPr>
+          <a:xfrm>
+            <a:off x="9300375" y="6492875"/>
+            <a:ext cx="2891625" cy="369332"/>
+          </a:xfrm>
+          <a:prstGeom prst="rect">
+            <a:avLst/>
+          </a:prstGeom>
+        </p:spPr>
+        <p:txBody>
+          <a:bodyPr wrap="none">
+            <a:spAutoFit/>
+          </a:bodyPr>
+          <a:lstStyle/>
+          <a:p>
+            <a:r>
+              <a:rPr lang="en-US" dirty="0">
+                <a:solidFill>
+                  <a:schemeClr val="tx2">
+                    <a:lumMod val="60000"/>
+                    <a:lumOff val="40000"/>
+                  </a:schemeClr>
+                </a:solidFill>
+              </a:rPr>
+              <a:t>telnet 104.153.200.99 15001</a:t>
+            </a:r>
+          </a:p>
+        </p:txBody>
+      </p:sp>
     </p:spTree>
     <p:extLst>
       <p:ext uri="{BB962C8B-B14F-4D97-AF65-F5344CB8AC3E}">
@@ -3810,7 +3914,12 @@
             <p:ph type="title"/>
           </p:nvPr>
         </p:nvSpPr>
-        <p:spPr/>
+        <p:spPr>
+          <a:xfrm>
+            <a:off x="838200" y="365125"/>
+            <a:ext cx="10515600" cy="1176709"/>
+          </a:xfrm>
+        </p:spPr>
         <p:txBody>
           <a:bodyPr/>
           <a:lstStyle/>
@@ -3822,12 +3931,53 @@
           </a:p>
         </p:txBody>
       </p:sp>
+      <p:sp>
+        <p:nvSpPr>
+          <p:cNvPr id="3" name="Rectangle 2">
+            <a:extLst>
+              <a:ext uri="{FF2B5EF4-FFF2-40B4-BE49-F238E27FC236}">
+                <a16:creationId xmlns:a16="http://schemas.microsoft.com/office/drawing/2014/main" id="{D2399B91-54EC-42DD-9F58-D21D76D8B9D3}"/>
+              </a:ext>
+            </a:extLst>
+          </p:cNvPr>
+          <p:cNvSpPr/>
+          <p:nvPr/>
+        </p:nvSpPr>
+        <p:spPr>
+          <a:xfrm>
+            <a:off x="9392421" y="6492875"/>
+            <a:ext cx="2891625" cy="369332"/>
+          </a:xfrm>
+          <a:prstGeom prst="rect">
+            <a:avLst/>
+          </a:prstGeom>
+        </p:spPr>
+        <p:txBody>
+          <a:bodyPr wrap="none">
+            <a:spAutoFit/>
+          </a:bodyPr>
+          <a:lstStyle/>
+          <a:p>
+            <a:r>
+              <a:rPr lang="en-US" dirty="0">
+                <a:solidFill>
+                  <a:schemeClr val="tx2">
+                    <a:lumMod val="60000"/>
+                    <a:lumOff val="40000"/>
+                  </a:schemeClr>
+                </a:solidFill>
+              </a:rPr>
+              <a:t>telnet 104.153.200.99 15001</a:t>
+            </a:r>
+          </a:p>
+        </p:txBody>
+      </p:sp>
       <p:pic>
         <p:nvPicPr>
-          <p:cNvPr id="6" name="Picture 5">
-            <a:extLst>
-              <a:ext uri="{FF2B5EF4-FFF2-40B4-BE49-F238E27FC236}">
-                <a16:creationId xmlns:a16="http://schemas.microsoft.com/office/drawing/2014/main" id="{92A17612-1C23-4C37-9D37-28073898A3C3}"/>
+          <p:cNvPr id="4" name="Picture 3">
+            <a:extLst>
+              <a:ext uri="{FF2B5EF4-FFF2-40B4-BE49-F238E27FC236}">
+                <a16:creationId xmlns:a16="http://schemas.microsoft.com/office/drawing/2014/main" id="{53DC43A4-8E76-46C4-9670-B2A3FA757636}"/>
               </a:ext>
             </a:extLst>
           </p:cNvPr>
@@ -3844,8 +3994,8 @@
         </p:blipFill>
         <p:spPr>
           <a:xfrm>
-            <a:off x="1444404" y="1437565"/>
-            <a:ext cx="8954464" cy="5306777"/>
+            <a:off x="1264443" y="1374335"/>
+            <a:ext cx="8769638" cy="5197242"/>
           </a:xfrm>
           <a:prstGeom prst="rect">
             <a:avLst/>
